--- a/Material/TextureObject2D.pptx
+++ b/Material/TextureObject2D.pptx
@@ -6,6 +6,7 @@
   </p:sldMasterIdLst>
   <p:sldIdLst>
     <p:sldId id="256" r:id="rId2"/>
+    <p:sldId id="257" r:id="rId3"/>
   </p:sldIdLst>
   <p:sldSz cx="12192000" cy="6858000"/>
   <p:notesSz cx="6858000" cy="9144000"/>
@@ -243,7 +244,7 @@
           <a:p>
             <a:fld id="{1BF05B98-1B98-40E4-A774-D50D205BD183}" type="datetimeFigureOut">
               <a:rPr kumimoji="1" lang="ja-JP" altLang="en-US" smtClean="0"/>
-              <a:t>2015/3/28</a:t>
+              <a:t>2015/4/8</a:t>
             </a:fld>
             <a:endParaRPr kumimoji="1" lang="ja-JP" altLang="en-US"/>
           </a:p>
@@ -445,7 +446,7 @@
           <a:p>
             <a:fld id="{1BF05B98-1B98-40E4-A774-D50D205BD183}" type="datetimeFigureOut">
               <a:rPr kumimoji="1" lang="ja-JP" altLang="en-US" smtClean="0"/>
-              <a:t>2015/3/28</a:t>
+              <a:t>2015/4/8</a:t>
             </a:fld>
             <a:endParaRPr kumimoji="1" lang="ja-JP" altLang="en-US"/>
           </a:p>
@@ -657,7 +658,7 @@
           <a:p>
             <a:fld id="{1BF05B98-1B98-40E4-A774-D50D205BD183}" type="datetimeFigureOut">
               <a:rPr kumimoji="1" lang="ja-JP" altLang="en-US" smtClean="0"/>
-              <a:t>2015/3/28</a:t>
+              <a:t>2015/4/8</a:t>
             </a:fld>
             <a:endParaRPr kumimoji="1" lang="ja-JP" altLang="en-US"/>
           </a:p>
@@ -859,7 +860,7 @@
           <a:p>
             <a:fld id="{1BF05B98-1B98-40E4-A774-D50D205BD183}" type="datetimeFigureOut">
               <a:rPr kumimoji="1" lang="ja-JP" altLang="en-US" smtClean="0"/>
-              <a:t>2015/3/28</a:t>
+              <a:t>2015/4/8</a:t>
             </a:fld>
             <a:endParaRPr kumimoji="1" lang="ja-JP" altLang="en-US"/>
           </a:p>
@@ -1105,7 +1106,7 @@
           <a:p>
             <a:fld id="{1BF05B98-1B98-40E4-A774-D50D205BD183}" type="datetimeFigureOut">
               <a:rPr kumimoji="1" lang="ja-JP" altLang="en-US" smtClean="0"/>
-              <a:t>2015/3/28</a:t>
+              <a:t>2015/4/8</a:t>
             </a:fld>
             <a:endParaRPr kumimoji="1" lang="ja-JP" altLang="en-US"/>
           </a:p>
@@ -1401,7 +1402,7 @@
           <a:p>
             <a:fld id="{1BF05B98-1B98-40E4-A774-D50D205BD183}" type="datetimeFigureOut">
               <a:rPr kumimoji="1" lang="ja-JP" altLang="en-US" smtClean="0"/>
-              <a:t>2015/3/28</a:t>
+              <a:t>2015/4/8</a:t>
             </a:fld>
             <a:endParaRPr kumimoji="1" lang="ja-JP" altLang="en-US"/>
           </a:p>
@@ -1832,7 +1833,7 @@
           <a:p>
             <a:fld id="{1BF05B98-1B98-40E4-A774-D50D205BD183}" type="datetimeFigureOut">
               <a:rPr kumimoji="1" lang="ja-JP" altLang="en-US" smtClean="0"/>
-              <a:t>2015/3/28</a:t>
+              <a:t>2015/4/8</a:t>
             </a:fld>
             <a:endParaRPr kumimoji="1" lang="ja-JP" altLang="en-US"/>
           </a:p>
@@ -1950,7 +1951,7 @@
           <a:p>
             <a:fld id="{1BF05B98-1B98-40E4-A774-D50D205BD183}" type="datetimeFigureOut">
               <a:rPr kumimoji="1" lang="ja-JP" altLang="en-US" smtClean="0"/>
-              <a:t>2015/3/28</a:t>
+              <a:t>2015/4/8</a:t>
             </a:fld>
             <a:endParaRPr kumimoji="1" lang="ja-JP" altLang="en-US"/>
           </a:p>
@@ -2045,7 +2046,7 @@
           <a:p>
             <a:fld id="{1BF05B98-1B98-40E4-A774-D50D205BD183}" type="datetimeFigureOut">
               <a:rPr kumimoji="1" lang="ja-JP" altLang="en-US" smtClean="0"/>
-              <a:t>2015/3/28</a:t>
+              <a:t>2015/4/8</a:t>
             </a:fld>
             <a:endParaRPr kumimoji="1" lang="ja-JP" altLang="en-US"/>
           </a:p>
@@ -2354,7 +2355,7 @@
           <a:p>
             <a:fld id="{1BF05B98-1B98-40E4-A774-D50D205BD183}" type="datetimeFigureOut">
               <a:rPr kumimoji="1" lang="ja-JP" altLang="en-US" smtClean="0"/>
-              <a:t>2015/3/28</a:t>
+              <a:t>2015/4/8</a:t>
             </a:fld>
             <a:endParaRPr kumimoji="1" lang="ja-JP" altLang="en-US"/>
           </a:p>
@@ -2607,7 +2608,7 @@
           <a:p>
             <a:fld id="{1BF05B98-1B98-40E4-A774-D50D205BD183}" type="datetimeFigureOut">
               <a:rPr kumimoji="1" lang="ja-JP" altLang="en-US" smtClean="0"/>
-              <a:t>2015/3/28</a:t>
+              <a:t>2015/4/8</a:t>
             </a:fld>
             <a:endParaRPr kumimoji="1" lang="ja-JP" altLang="en-US"/>
           </a:p>
@@ -2852,7 +2853,7 @@
           <a:p>
             <a:fld id="{1BF05B98-1B98-40E4-A774-D50D205BD183}" type="datetimeFigureOut">
               <a:rPr kumimoji="1" lang="ja-JP" altLang="en-US" smtClean="0"/>
-              <a:t>2015/3/28</a:t>
+              <a:t>2015/4/8</a:t>
             </a:fld>
             <a:endParaRPr kumimoji="1" lang="ja-JP" altLang="en-US"/>
           </a:p>
@@ -4273,16 +4274,120 @@
           </a:p>
         </p:txBody>
       </p:sp>
-      <p:sp>
-        <p:nvSpPr>
-          <p:cNvPr id="49" name="テキスト ボックス 48"/>
+    </p:spTree>
+    <p:extLst>
+      <p:ext uri="{BB962C8B-B14F-4D97-AF65-F5344CB8AC3E}">
+        <p14:creationId xmlns:p14="http://schemas.microsoft.com/office/powerpoint/2010/main" val="2678126616"/>
+      </p:ext>
+    </p:extLst>
+  </p:cSld>
+  <p:clrMapOvr>
+    <a:masterClrMapping/>
+  </p:clrMapOvr>
+</p:sld>
+</file>
+
+<file path=ppt/slides/slide2.xml><?xml version="1.0" encoding="utf-8"?>
+<p:sld xmlns:a="http://schemas.openxmlformats.org/drawingml/2006/main" xmlns:r="http://schemas.openxmlformats.org/officeDocument/2006/relationships" xmlns:p="http://schemas.openxmlformats.org/presentationml/2006/main">
+  <p:cSld>
+    <p:spTree>
+      <p:nvGrpSpPr>
+        <p:cNvPr id="1" name=""/>
+        <p:cNvGrpSpPr/>
+        <p:nvPr/>
+      </p:nvGrpSpPr>
+      <p:grpSpPr>
+        <a:xfrm>
+          <a:off x="0" y="0"/>
+          <a:ext cx="0" cy="0"/>
+          <a:chOff x="0" y="0"/>
+          <a:chExt cx="0" cy="0"/>
+        </a:xfrm>
+      </p:grpSpPr>
+      <p:cxnSp>
+        <p:nvCxnSpPr>
+          <p:cNvPr id="6" name="直線矢印コネクタ 5"/>
+          <p:cNvCxnSpPr/>
+          <p:nvPr/>
+        </p:nvCxnSpPr>
+        <p:spPr>
+          <a:xfrm>
+            <a:off x="1897820" y="890979"/>
+            <a:ext cx="4261462" cy="0"/>
+          </a:xfrm>
+          <a:prstGeom prst="straightConnector1">
+            <a:avLst/>
+          </a:prstGeom>
+          <a:ln w="19050">
+            <a:solidFill>
+              <a:schemeClr val="tx1"/>
+            </a:solidFill>
+            <a:headEnd type="triangle"/>
+            <a:tailEnd type="triangle"/>
+          </a:ln>
+        </p:spPr>
+        <p:style>
+          <a:lnRef idx="1">
+            <a:schemeClr val="accent1"/>
+          </a:lnRef>
+          <a:fillRef idx="0">
+            <a:schemeClr val="accent1"/>
+          </a:fillRef>
+          <a:effectRef idx="0">
+            <a:schemeClr val="accent1"/>
+          </a:effectRef>
+          <a:fontRef idx="minor">
+            <a:schemeClr val="tx1"/>
+          </a:fontRef>
+        </p:style>
+      </p:cxnSp>
+      <p:cxnSp>
+        <p:nvCxnSpPr>
+          <p:cNvPr id="9" name="直線矢印コネクタ 8"/>
+          <p:cNvCxnSpPr/>
+          <p:nvPr/>
+        </p:nvCxnSpPr>
+        <p:spPr>
+          <a:xfrm>
+            <a:off x="1786555" y="991118"/>
+            <a:ext cx="0" cy="2826139"/>
+          </a:xfrm>
+          <a:prstGeom prst="straightConnector1">
+            <a:avLst/>
+          </a:prstGeom>
+          <a:ln w="19050">
+            <a:solidFill>
+              <a:schemeClr val="tx1"/>
+            </a:solidFill>
+            <a:headEnd type="triangle"/>
+            <a:tailEnd type="triangle"/>
+          </a:ln>
+        </p:spPr>
+        <p:style>
+          <a:lnRef idx="1">
+            <a:schemeClr val="accent1"/>
+          </a:lnRef>
+          <a:fillRef idx="0">
+            <a:schemeClr val="accent1"/>
+          </a:fillRef>
+          <a:effectRef idx="0">
+            <a:schemeClr val="accent1"/>
+          </a:effectRef>
+          <a:fontRef idx="minor">
+            <a:schemeClr val="tx1"/>
+          </a:fontRef>
+        </p:style>
+      </p:cxnSp>
+      <p:sp>
+        <p:nvSpPr>
+          <p:cNvPr id="13" name="テキスト ボックス 12"/>
           <p:cNvSpPr txBox="1"/>
           <p:nvPr/>
         </p:nvSpPr>
         <p:spPr>
           <a:xfrm>
-            <a:off x="8887169" y="1631645"/>
-            <a:ext cx="1821919" cy="646331"/>
+            <a:off x="3188498" y="553923"/>
+            <a:ext cx="1775388" cy="369332"/>
           </a:xfrm>
           <a:prstGeom prst="rect">
             <a:avLst/>
@@ -4297,6 +4402,948 @@
           <a:p>
             <a:r>
               <a:rPr lang="en-US" altLang="ja-JP" dirty="0" smtClean="0"/>
+              <a:t>Texture2D.Size.X</a:t>
+            </a:r>
+            <a:endParaRPr kumimoji="1" lang="ja-JP" altLang="en-US" dirty="0"/>
+          </a:p>
+        </p:txBody>
+      </p:sp>
+      <p:sp>
+        <p:nvSpPr>
+          <p:cNvPr id="14" name="テキスト ボックス 13"/>
+          <p:cNvSpPr txBox="1"/>
+          <p:nvPr/>
+        </p:nvSpPr>
+        <p:spPr>
+          <a:xfrm>
+            <a:off x="116114" y="2235659"/>
+            <a:ext cx="1781706" cy="369332"/>
+          </a:xfrm>
+          <a:prstGeom prst="rect">
+            <a:avLst/>
+          </a:prstGeom>
+          <a:noFill/>
+        </p:spPr>
+        <p:txBody>
+          <a:bodyPr wrap="square" rtlCol="0">
+            <a:spAutoFit/>
+          </a:bodyPr>
+          <a:lstStyle/>
+          <a:p>
+            <a:r>
+              <a:rPr lang="en-US" altLang="ja-JP" dirty="0" smtClean="0"/>
+              <a:t>Texture2D.Size.Y</a:t>
+            </a:r>
+            <a:endParaRPr kumimoji="1" lang="ja-JP" altLang="en-US" dirty="0"/>
+          </a:p>
+        </p:txBody>
+      </p:sp>
+      <p:grpSp>
+        <p:nvGrpSpPr>
+          <p:cNvPr id="31" name="グループ化 30"/>
+          <p:cNvGrpSpPr/>
+          <p:nvPr/>
+        </p:nvGrpSpPr>
+        <p:grpSpPr>
+          <a:xfrm>
+            <a:off x="1897820" y="991118"/>
+            <a:ext cx="4261462" cy="2826139"/>
+            <a:chOff x="1897820" y="991118"/>
+            <a:chExt cx="4261462" cy="2826139"/>
+          </a:xfrm>
+        </p:grpSpPr>
+        <p:sp>
+          <p:nvSpPr>
+            <p:cNvPr id="25" name="円/楕円 24"/>
+            <p:cNvSpPr/>
+            <p:nvPr/>
+          </p:nvSpPr>
+          <p:spPr>
+            <a:xfrm>
+              <a:off x="3308143" y="2092715"/>
+              <a:ext cx="1440816" cy="1440816"/>
+            </a:xfrm>
+            <a:prstGeom prst="ellipse">
+              <a:avLst/>
+            </a:prstGeom>
+          </p:spPr>
+          <p:style>
+            <a:lnRef idx="2">
+              <a:schemeClr val="accent1">
+                <a:shade val="50000"/>
+              </a:schemeClr>
+            </a:lnRef>
+            <a:fillRef idx="1">
+              <a:schemeClr val="accent1"/>
+            </a:fillRef>
+            <a:effectRef idx="0">
+              <a:schemeClr val="accent1"/>
+            </a:effectRef>
+            <a:fontRef idx="minor">
+              <a:schemeClr val="lt1"/>
+            </a:fontRef>
+          </p:style>
+          <p:txBody>
+            <a:bodyPr rtlCol="0" anchor="ctr"/>
+            <a:lstStyle/>
+            <a:p>
+              <a:pPr algn="ctr"/>
+              <a:endParaRPr kumimoji="1" lang="ja-JP" altLang="en-US"/>
+            </a:p>
+          </p:txBody>
+        </p:sp>
+        <p:sp>
+          <p:nvSpPr>
+            <p:cNvPr id="24" name="円/楕円 23"/>
+            <p:cNvSpPr/>
+            <p:nvPr/>
+          </p:nvSpPr>
+          <p:spPr>
+            <a:xfrm>
+              <a:off x="3583490" y="1228035"/>
+              <a:ext cx="890123" cy="890123"/>
+            </a:xfrm>
+            <a:prstGeom prst="ellipse">
+              <a:avLst/>
+            </a:prstGeom>
+          </p:spPr>
+          <p:style>
+            <a:lnRef idx="2">
+              <a:schemeClr val="accent1">
+                <a:shade val="50000"/>
+              </a:schemeClr>
+            </a:lnRef>
+            <a:fillRef idx="1">
+              <a:schemeClr val="accent1"/>
+            </a:fillRef>
+            <a:effectRef idx="0">
+              <a:schemeClr val="accent1"/>
+            </a:effectRef>
+            <a:fontRef idx="minor">
+              <a:schemeClr val="lt1"/>
+            </a:fontRef>
+          </p:style>
+          <p:txBody>
+            <a:bodyPr rtlCol="0" anchor="ctr"/>
+            <a:lstStyle/>
+            <a:p>
+              <a:pPr algn="ctr"/>
+              <a:endParaRPr kumimoji="1" lang="ja-JP" altLang="en-US"/>
+            </a:p>
+          </p:txBody>
+        </p:sp>
+        <p:sp>
+          <p:nvSpPr>
+            <p:cNvPr id="2" name="正方形/長方形 1"/>
+            <p:cNvSpPr/>
+            <p:nvPr/>
+          </p:nvSpPr>
+          <p:spPr>
+            <a:xfrm>
+              <a:off x="1897820" y="991118"/>
+              <a:ext cx="4261462" cy="2826139"/>
+            </a:xfrm>
+            <a:prstGeom prst="rect">
+              <a:avLst/>
+            </a:prstGeom>
+            <a:noFill/>
+            <a:ln w="19050">
+              <a:solidFill>
+                <a:schemeClr val="tx1"/>
+              </a:solidFill>
+            </a:ln>
+          </p:spPr>
+          <p:style>
+            <a:lnRef idx="2">
+              <a:schemeClr val="accent1">
+                <a:shade val="50000"/>
+              </a:schemeClr>
+            </a:lnRef>
+            <a:fillRef idx="1">
+              <a:schemeClr val="accent1"/>
+            </a:fillRef>
+            <a:effectRef idx="0">
+              <a:schemeClr val="accent1"/>
+            </a:effectRef>
+            <a:fontRef idx="minor">
+              <a:schemeClr val="lt1"/>
+            </a:fontRef>
+          </p:style>
+          <p:txBody>
+            <a:bodyPr rtlCol="0" anchor="ctr"/>
+            <a:lstStyle/>
+            <a:p>
+              <a:pPr algn="ctr"/>
+              <a:endParaRPr kumimoji="1" lang="ja-JP" altLang="en-US"/>
+            </a:p>
+          </p:txBody>
+        </p:sp>
+        <p:cxnSp>
+          <p:nvCxnSpPr>
+            <p:cNvPr id="16" name="直線矢印コネクタ 15"/>
+            <p:cNvCxnSpPr>
+              <a:stCxn id="2" idx="1"/>
+            </p:cNvCxnSpPr>
+            <p:nvPr/>
+          </p:nvCxnSpPr>
+          <p:spPr>
+            <a:xfrm>
+              <a:off x="1897820" y="2404187"/>
+              <a:ext cx="2130731" cy="0"/>
+            </a:xfrm>
+            <a:prstGeom prst="straightConnector1">
+              <a:avLst/>
+            </a:prstGeom>
+            <a:ln w="19050">
+              <a:solidFill>
+                <a:schemeClr val="tx1"/>
+              </a:solidFill>
+              <a:headEnd type="triangle"/>
+              <a:tailEnd type="triangle"/>
+            </a:ln>
+          </p:spPr>
+          <p:style>
+            <a:lnRef idx="1">
+              <a:schemeClr val="accent1"/>
+            </a:lnRef>
+            <a:fillRef idx="0">
+              <a:schemeClr val="accent1"/>
+            </a:fillRef>
+            <a:effectRef idx="0">
+              <a:schemeClr val="accent1"/>
+            </a:effectRef>
+            <a:fontRef idx="minor">
+              <a:schemeClr val="tx1"/>
+            </a:fontRef>
+          </p:style>
+        </p:cxnSp>
+        <p:cxnSp>
+          <p:nvCxnSpPr>
+            <p:cNvPr id="20" name="直線矢印コネクタ 19"/>
+            <p:cNvCxnSpPr/>
+            <p:nvPr/>
+          </p:nvCxnSpPr>
+          <p:spPr>
+            <a:xfrm>
+              <a:off x="4042459" y="991118"/>
+              <a:ext cx="0" cy="1413070"/>
+            </a:xfrm>
+            <a:prstGeom prst="straightConnector1">
+              <a:avLst/>
+            </a:prstGeom>
+            <a:ln w="19050">
+              <a:solidFill>
+                <a:schemeClr val="tx1"/>
+              </a:solidFill>
+              <a:headEnd type="triangle"/>
+              <a:tailEnd type="triangle"/>
+            </a:ln>
+          </p:spPr>
+          <p:style>
+            <a:lnRef idx="1">
+              <a:schemeClr val="accent1"/>
+            </a:lnRef>
+            <a:fillRef idx="0">
+              <a:schemeClr val="accent1"/>
+            </a:fillRef>
+            <a:effectRef idx="0">
+              <a:schemeClr val="accent1"/>
+            </a:effectRef>
+            <a:fontRef idx="minor">
+              <a:schemeClr val="tx1"/>
+            </a:fontRef>
+          </p:style>
+        </p:cxnSp>
+      </p:grpSp>
+      <p:sp>
+        <p:nvSpPr>
+          <p:cNvPr id="22" name="テキスト ボックス 21"/>
+          <p:cNvSpPr txBox="1"/>
+          <p:nvPr/>
+        </p:nvSpPr>
+        <p:spPr>
+          <a:xfrm>
+            <a:off x="2130087" y="2432004"/>
+            <a:ext cx="1898464" cy="646331"/>
+          </a:xfrm>
+          <a:prstGeom prst="rect">
+            <a:avLst/>
+          </a:prstGeom>
+          <a:noFill/>
+        </p:spPr>
+        <p:txBody>
+          <a:bodyPr wrap="square" rtlCol="0">
+            <a:spAutoFit/>
+          </a:bodyPr>
+          <a:lstStyle/>
+          <a:p>
+            <a:r>
+              <a:rPr lang="en-US" altLang="ja-JP" dirty="0" smtClean="0"/>
+              <a:t>TextureObject2D.CenterPosition.X</a:t>
+            </a:r>
+            <a:endParaRPr kumimoji="1" lang="ja-JP" altLang="en-US" dirty="0"/>
+          </a:p>
+        </p:txBody>
+      </p:sp>
+      <p:sp>
+        <p:nvSpPr>
+          <p:cNvPr id="23" name="テキスト ボックス 22"/>
+          <p:cNvSpPr txBox="1"/>
+          <p:nvPr/>
+        </p:nvSpPr>
+        <p:spPr>
+          <a:xfrm>
+            <a:off x="4056367" y="1402729"/>
+            <a:ext cx="1821919" cy="646331"/>
+          </a:xfrm>
+          <a:prstGeom prst="rect">
+            <a:avLst/>
+          </a:prstGeom>
+          <a:noFill/>
+        </p:spPr>
+        <p:txBody>
+          <a:bodyPr wrap="square" rtlCol="0">
+            <a:spAutoFit/>
+          </a:bodyPr>
+          <a:lstStyle/>
+          <a:p>
+            <a:r>
+              <a:rPr lang="en-US" altLang="ja-JP" dirty="0" smtClean="0"/>
+              <a:t>TextureObject2D.CenterPosition.Y</a:t>
+            </a:r>
+            <a:endParaRPr kumimoji="1" lang="ja-JP" altLang="en-US" dirty="0"/>
+          </a:p>
+        </p:txBody>
+      </p:sp>
+      <p:sp>
+        <p:nvSpPr>
+          <p:cNvPr id="26" name="正方形/長方形 25"/>
+          <p:cNvSpPr/>
+          <p:nvPr/>
+        </p:nvSpPr>
+        <p:spPr>
+          <a:xfrm>
+            <a:off x="6434628" y="983538"/>
+            <a:ext cx="5476905" cy="3341720"/>
+          </a:xfrm>
+          <a:prstGeom prst="rect">
+            <a:avLst/>
+          </a:prstGeom>
+          <a:noFill/>
+          <a:ln w="19050">
+            <a:solidFill>
+              <a:schemeClr val="tx1"/>
+            </a:solidFill>
+          </a:ln>
+        </p:spPr>
+        <p:style>
+          <a:lnRef idx="2">
+            <a:schemeClr val="accent1">
+              <a:shade val="50000"/>
+            </a:schemeClr>
+          </a:lnRef>
+          <a:fillRef idx="1">
+            <a:schemeClr val="accent1"/>
+          </a:fillRef>
+          <a:effectRef idx="0">
+            <a:schemeClr val="accent1"/>
+          </a:effectRef>
+          <a:fontRef idx="minor">
+            <a:schemeClr val="lt1"/>
+          </a:fontRef>
+        </p:style>
+        <p:txBody>
+          <a:bodyPr rtlCol="0" anchor="ctr"/>
+          <a:lstStyle/>
+          <a:p>
+            <a:pPr algn="ctr"/>
+            <a:endParaRPr kumimoji="1" lang="ja-JP" altLang="en-US"/>
+          </a:p>
+        </p:txBody>
+      </p:sp>
+      <p:sp>
+        <p:nvSpPr>
+          <p:cNvPr id="29" name="テキスト ボックス 28"/>
+          <p:cNvSpPr txBox="1"/>
+          <p:nvPr/>
+        </p:nvSpPr>
+        <p:spPr>
+          <a:xfrm>
+            <a:off x="3140857" y="181245"/>
+            <a:ext cx="1775388" cy="369332"/>
+          </a:xfrm>
+          <a:prstGeom prst="rect">
+            <a:avLst/>
+          </a:prstGeom>
+          <a:noFill/>
+        </p:spPr>
+        <p:txBody>
+          <a:bodyPr wrap="square" rtlCol="0">
+            <a:spAutoFit/>
+          </a:bodyPr>
+          <a:lstStyle/>
+          <a:p>
+            <a:pPr algn="ctr"/>
+            <a:r>
+              <a:rPr kumimoji="1" lang="ja-JP" altLang="en-US" dirty="0" smtClean="0">
+                <a:latin typeface="Meiryo UI" panose="020B0604030504040204" pitchFamily="50" charset="-128"/>
+                <a:ea typeface="Meiryo UI" panose="020B0604030504040204" pitchFamily="50" charset="-128"/>
+                <a:cs typeface="Meiryo UI" panose="020B0604030504040204" pitchFamily="50" charset="-128"/>
+              </a:rPr>
+              <a:t>テクスチャ</a:t>
+            </a:r>
+            <a:endParaRPr kumimoji="1" lang="ja-JP" altLang="en-US" dirty="0">
+              <a:latin typeface="Meiryo UI" panose="020B0604030504040204" pitchFamily="50" charset="-128"/>
+              <a:ea typeface="Meiryo UI" panose="020B0604030504040204" pitchFamily="50" charset="-128"/>
+              <a:cs typeface="Meiryo UI" panose="020B0604030504040204" pitchFamily="50" charset="-128"/>
+            </a:endParaRPr>
+          </a:p>
+        </p:txBody>
+      </p:sp>
+      <p:sp>
+        <p:nvSpPr>
+          <p:cNvPr id="30" name="テキスト ボックス 29"/>
+          <p:cNvSpPr txBox="1"/>
+          <p:nvPr/>
+        </p:nvSpPr>
+        <p:spPr>
+          <a:xfrm>
+            <a:off x="8285386" y="189446"/>
+            <a:ext cx="1775388" cy="369332"/>
+          </a:xfrm>
+          <a:prstGeom prst="rect">
+            <a:avLst/>
+          </a:prstGeom>
+          <a:noFill/>
+        </p:spPr>
+        <p:txBody>
+          <a:bodyPr wrap="square" rtlCol="0">
+            <a:spAutoFit/>
+          </a:bodyPr>
+          <a:lstStyle/>
+          <a:p>
+            <a:pPr algn="ctr"/>
+            <a:r>
+              <a:rPr lang="ja-JP" altLang="en-US" dirty="0">
+                <a:latin typeface="Meiryo UI" panose="020B0604030504040204" pitchFamily="50" charset="-128"/>
+                <a:ea typeface="Meiryo UI" panose="020B0604030504040204" pitchFamily="50" charset="-128"/>
+                <a:cs typeface="Meiryo UI" panose="020B0604030504040204" pitchFamily="50" charset="-128"/>
+              </a:rPr>
+              <a:t>ウインドウ</a:t>
+            </a:r>
+            <a:endParaRPr kumimoji="1" lang="ja-JP" altLang="en-US" dirty="0">
+              <a:latin typeface="Meiryo UI" panose="020B0604030504040204" pitchFamily="50" charset="-128"/>
+              <a:ea typeface="Meiryo UI" panose="020B0604030504040204" pitchFamily="50" charset="-128"/>
+              <a:cs typeface="Meiryo UI" panose="020B0604030504040204" pitchFamily="50" charset="-128"/>
+            </a:endParaRPr>
+          </a:p>
+        </p:txBody>
+      </p:sp>
+      <p:grpSp>
+        <p:nvGrpSpPr>
+          <p:cNvPr id="32" name="グループ化 31"/>
+          <p:cNvGrpSpPr/>
+          <p:nvPr/>
+        </p:nvGrpSpPr>
+        <p:grpSpPr>
+          <a:xfrm rot="20289261">
+            <a:off x="7564668" y="1852097"/>
+            <a:ext cx="2723436" cy="1806143"/>
+            <a:chOff x="1897820" y="991118"/>
+            <a:chExt cx="4261462" cy="2826139"/>
+          </a:xfrm>
+        </p:grpSpPr>
+        <p:sp>
+          <p:nvSpPr>
+            <p:cNvPr id="33" name="円/楕円 32"/>
+            <p:cNvSpPr/>
+            <p:nvPr/>
+          </p:nvSpPr>
+          <p:spPr>
+            <a:xfrm>
+              <a:off x="3308143" y="2092715"/>
+              <a:ext cx="1440816" cy="1440816"/>
+            </a:xfrm>
+            <a:prstGeom prst="ellipse">
+              <a:avLst/>
+            </a:prstGeom>
+            <a:ln w="3175"/>
+          </p:spPr>
+          <p:style>
+            <a:lnRef idx="2">
+              <a:schemeClr val="accent1">
+                <a:shade val="50000"/>
+              </a:schemeClr>
+            </a:lnRef>
+            <a:fillRef idx="1">
+              <a:schemeClr val="accent1"/>
+            </a:fillRef>
+            <a:effectRef idx="0">
+              <a:schemeClr val="accent1"/>
+            </a:effectRef>
+            <a:fontRef idx="minor">
+              <a:schemeClr val="lt1"/>
+            </a:fontRef>
+          </p:style>
+          <p:txBody>
+            <a:bodyPr rtlCol="0" anchor="ctr"/>
+            <a:lstStyle/>
+            <a:p>
+              <a:pPr algn="ctr"/>
+              <a:endParaRPr kumimoji="1" lang="ja-JP" altLang="en-US"/>
+            </a:p>
+          </p:txBody>
+        </p:sp>
+        <p:sp>
+          <p:nvSpPr>
+            <p:cNvPr id="34" name="円/楕円 33"/>
+            <p:cNvSpPr/>
+            <p:nvPr/>
+          </p:nvSpPr>
+          <p:spPr>
+            <a:xfrm>
+              <a:off x="3583490" y="1228035"/>
+              <a:ext cx="890123" cy="890123"/>
+            </a:xfrm>
+            <a:prstGeom prst="ellipse">
+              <a:avLst/>
+            </a:prstGeom>
+            <a:ln w="3175"/>
+          </p:spPr>
+          <p:style>
+            <a:lnRef idx="2">
+              <a:schemeClr val="accent1">
+                <a:shade val="50000"/>
+              </a:schemeClr>
+            </a:lnRef>
+            <a:fillRef idx="1">
+              <a:schemeClr val="accent1"/>
+            </a:fillRef>
+            <a:effectRef idx="0">
+              <a:schemeClr val="accent1"/>
+            </a:effectRef>
+            <a:fontRef idx="minor">
+              <a:schemeClr val="lt1"/>
+            </a:fontRef>
+          </p:style>
+          <p:txBody>
+            <a:bodyPr rtlCol="0" anchor="ctr"/>
+            <a:lstStyle/>
+            <a:p>
+              <a:pPr algn="ctr"/>
+              <a:endParaRPr kumimoji="1" lang="ja-JP" altLang="en-US"/>
+            </a:p>
+          </p:txBody>
+        </p:sp>
+        <p:sp>
+          <p:nvSpPr>
+            <p:cNvPr id="35" name="正方形/長方形 34"/>
+            <p:cNvSpPr/>
+            <p:nvPr/>
+          </p:nvSpPr>
+          <p:spPr>
+            <a:xfrm>
+              <a:off x="1897820" y="991118"/>
+              <a:ext cx="4261462" cy="2826139"/>
+            </a:xfrm>
+            <a:prstGeom prst="rect">
+              <a:avLst/>
+            </a:prstGeom>
+            <a:noFill/>
+            <a:ln w="3175">
+              <a:solidFill>
+                <a:schemeClr val="tx1"/>
+              </a:solidFill>
+            </a:ln>
+          </p:spPr>
+          <p:style>
+            <a:lnRef idx="2">
+              <a:schemeClr val="accent1">
+                <a:shade val="50000"/>
+              </a:schemeClr>
+            </a:lnRef>
+            <a:fillRef idx="1">
+              <a:schemeClr val="accent1"/>
+            </a:fillRef>
+            <a:effectRef idx="0">
+              <a:schemeClr val="accent1"/>
+            </a:effectRef>
+            <a:fontRef idx="minor">
+              <a:schemeClr val="lt1"/>
+            </a:fontRef>
+          </p:style>
+          <p:txBody>
+            <a:bodyPr rtlCol="0" anchor="ctr"/>
+            <a:lstStyle/>
+            <a:p>
+              <a:pPr algn="ctr"/>
+              <a:endParaRPr kumimoji="1" lang="ja-JP" altLang="en-US"/>
+            </a:p>
+          </p:txBody>
+        </p:sp>
+        <p:cxnSp>
+          <p:nvCxnSpPr>
+            <p:cNvPr id="36" name="直線矢印コネクタ 35"/>
+            <p:cNvCxnSpPr>
+              <a:stCxn id="35" idx="1"/>
+            </p:cNvCxnSpPr>
+            <p:nvPr/>
+          </p:nvCxnSpPr>
+          <p:spPr>
+            <a:xfrm>
+              <a:off x="1897820" y="2404187"/>
+              <a:ext cx="2130731" cy="0"/>
+            </a:xfrm>
+            <a:prstGeom prst="straightConnector1">
+              <a:avLst/>
+            </a:prstGeom>
+            <a:ln w="3175">
+              <a:solidFill>
+                <a:schemeClr val="tx1"/>
+              </a:solidFill>
+              <a:headEnd type="triangle"/>
+              <a:tailEnd type="triangle"/>
+            </a:ln>
+          </p:spPr>
+          <p:style>
+            <a:lnRef idx="1">
+              <a:schemeClr val="accent1"/>
+            </a:lnRef>
+            <a:fillRef idx="0">
+              <a:schemeClr val="accent1"/>
+            </a:fillRef>
+            <a:effectRef idx="0">
+              <a:schemeClr val="accent1"/>
+            </a:effectRef>
+            <a:fontRef idx="minor">
+              <a:schemeClr val="tx1"/>
+            </a:fontRef>
+          </p:style>
+        </p:cxnSp>
+        <p:cxnSp>
+          <p:nvCxnSpPr>
+            <p:cNvPr id="37" name="直線矢印コネクタ 36"/>
+            <p:cNvCxnSpPr/>
+            <p:nvPr/>
+          </p:nvCxnSpPr>
+          <p:spPr>
+            <a:xfrm>
+              <a:off x="4042459" y="991118"/>
+              <a:ext cx="0" cy="1413070"/>
+            </a:xfrm>
+            <a:prstGeom prst="straightConnector1">
+              <a:avLst/>
+            </a:prstGeom>
+            <a:ln w="3175">
+              <a:solidFill>
+                <a:schemeClr val="tx1"/>
+              </a:solidFill>
+              <a:headEnd type="triangle"/>
+              <a:tailEnd type="triangle"/>
+            </a:ln>
+          </p:spPr>
+          <p:style>
+            <a:lnRef idx="1">
+              <a:schemeClr val="accent1"/>
+            </a:lnRef>
+            <a:fillRef idx="0">
+              <a:schemeClr val="accent1"/>
+            </a:fillRef>
+            <a:effectRef idx="0">
+              <a:schemeClr val="accent1"/>
+            </a:effectRef>
+            <a:fontRef idx="minor">
+              <a:schemeClr val="tx1"/>
+            </a:fontRef>
+          </p:style>
+        </p:cxnSp>
+      </p:grpSp>
+      <p:sp>
+        <p:nvSpPr>
+          <p:cNvPr id="38" name="テキスト ボックス 37"/>
+          <p:cNvSpPr txBox="1"/>
+          <p:nvPr/>
+        </p:nvSpPr>
+        <p:spPr>
+          <a:xfrm>
+            <a:off x="8376478" y="2886789"/>
+            <a:ext cx="1821919" cy="646331"/>
+          </a:xfrm>
+          <a:prstGeom prst="rect">
+            <a:avLst/>
+          </a:prstGeom>
+          <a:noFill/>
+        </p:spPr>
+        <p:txBody>
+          <a:bodyPr wrap="square" rtlCol="0">
+            <a:spAutoFit/>
+          </a:bodyPr>
+          <a:lstStyle/>
+          <a:p>
+            <a:r>
+              <a:rPr lang="en-US" altLang="ja-JP" dirty="0" smtClean="0"/>
+              <a:t>TextureObject2D. Position</a:t>
+            </a:r>
+            <a:endParaRPr kumimoji="1" lang="ja-JP" altLang="en-US" dirty="0"/>
+          </a:p>
+        </p:txBody>
+      </p:sp>
+      <p:sp>
+        <p:nvSpPr>
+          <p:cNvPr id="39" name="円/楕円 38"/>
+          <p:cNvSpPr/>
+          <p:nvPr/>
+        </p:nvSpPr>
+        <p:spPr>
+          <a:xfrm>
+            <a:off x="3967838" y="2322189"/>
+            <a:ext cx="149241" cy="149241"/>
+          </a:xfrm>
+          <a:prstGeom prst="ellipse">
+            <a:avLst/>
+          </a:prstGeom>
+          <a:solidFill>
+            <a:schemeClr val="accent1">
+              <a:lumMod val="50000"/>
+            </a:schemeClr>
+          </a:solidFill>
+          <a:ln w="28575">
+            <a:solidFill>
+              <a:srgbClr val="FF0000"/>
+            </a:solidFill>
+          </a:ln>
+        </p:spPr>
+        <p:style>
+          <a:lnRef idx="2">
+            <a:schemeClr val="accent1">
+              <a:shade val="50000"/>
+            </a:schemeClr>
+          </a:lnRef>
+          <a:fillRef idx="1">
+            <a:schemeClr val="accent1"/>
+          </a:fillRef>
+          <a:effectRef idx="0">
+            <a:schemeClr val="accent1"/>
+          </a:effectRef>
+          <a:fontRef idx="minor">
+            <a:schemeClr val="lt1"/>
+          </a:fontRef>
+        </p:style>
+        <p:txBody>
+          <a:bodyPr rtlCol="0" anchor="ctr"/>
+          <a:lstStyle/>
+          <a:p>
+            <a:pPr algn="ctr"/>
+            <a:endParaRPr kumimoji="1" lang="ja-JP" altLang="en-US"/>
+          </a:p>
+        </p:txBody>
+      </p:sp>
+      <p:sp>
+        <p:nvSpPr>
+          <p:cNvPr id="40" name="円/楕円 39"/>
+          <p:cNvSpPr/>
+          <p:nvPr/>
+        </p:nvSpPr>
+        <p:spPr>
+          <a:xfrm>
+            <a:off x="8804643" y="2663882"/>
+            <a:ext cx="149241" cy="149241"/>
+          </a:xfrm>
+          <a:prstGeom prst="ellipse">
+            <a:avLst/>
+          </a:prstGeom>
+          <a:solidFill>
+            <a:schemeClr val="accent1">
+              <a:lumMod val="50000"/>
+            </a:schemeClr>
+          </a:solidFill>
+          <a:ln w="28575">
+            <a:solidFill>
+              <a:srgbClr val="FF0000"/>
+            </a:solidFill>
+          </a:ln>
+        </p:spPr>
+        <p:style>
+          <a:lnRef idx="2">
+            <a:schemeClr val="accent1">
+              <a:shade val="50000"/>
+            </a:schemeClr>
+          </a:lnRef>
+          <a:fillRef idx="1">
+            <a:schemeClr val="accent1"/>
+          </a:fillRef>
+          <a:effectRef idx="0">
+            <a:schemeClr val="accent1"/>
+          </a:effectRef>
+          <a:fontRef idx="minor">
+            <a:schemeClr val="lt1"/>
+          </a:fontRef>
+        </p:style>
+        <p:txBody>
+          <a:bodyPr rtlCol="0" anchor="ctr"/>
+          <a:lstStyle/>
+          <a:p>
+            <a:pPr algn="ctr"/>
+            <a:endParaRPr kumimoji="1" lang="ja-JP" altLang="en-US"/>
+          </a:p>
+        </p:txBody>
+      </p:sp>
+      <p:sp>
+        <p:nvSpPr>
+          <p:cNvPr id="42" name="環状矢印 41"/>
+          <p:cNvSpPr/>
+          <p:nvPr/>
+        </p:nvSpPr>
+        <p:spPr>
+          <a:xfrm>
+            <a:off x="5794592" y="181244"/>
+            <a:ext cx="2546688" cy="3435185"/>
+          </a:xfrm>
+          <a:prstGeom prst="circularArrow">
+            <a:avLst>
+              <a:gd name="adj1" fmla="val 12500"/>
+              <a:gd name="adj2" fmla="val 996734"/>
+              <a:gd name="adj3" fmla="val 20457681"/>
+              <a:gd name="adj4" fmla="val 13893442"/>
+              <a:gd name="adj5" fmla="val 12500"/>
+            </a:avLst>
+          </a:prstGeom>
+        </p:spPr>
+        <p:style>
+          <a:lnRef idx="1">
+            <a:schemeClr val="accent1"/>
+          </a:lnRef>
+          <a:fillRef idx="3">
+            <a:schemeClr val="accent1"/>
+          </a:fillRef>
+          <a:effectRef idx="2">
+            <a:schemeClr val="accent1"/>
+          </a:effectRef>
+          <a:fontRef idx="minor">
+            <a:schemeClr val="lt1"/>
+          </a:fontRef>
+        </p:style>
+        <p:txBody>
+          <a:bodyPr rtlCol="0" anchor="ctr"/>
+          <a:lstStyle/>
+          <a:p>
+            <a:pPr algn="ctr"/>
+            <a:endParaRPr kumimoji="1" lang="ja-JP" altLang="en-US">
+              <a:solidFill>
+                <a:schemeClr val="tx1"/>
+              </a:solidFill>
+            </a:endParaRPr>
+          </a:p>
+        </p:txBody>
+      </p:sp>
+      <p:cxnSp>
+        <p:nvCxnSpPr>
+          <p:cNvPr id="44" name="直線コネクタ 43"/>
+          <p:cNvCxnSpPr>
+            <a:stCxn id="40" idx="0"/>
+          </p:cNvCxnSpPr>
+          <p:nvPr/>
+        </p:nvCxnSpPr>
+        <p:spPr>
+          <a:xfrm flipH="1" flipV="1">
+            <a:off x="8879263" y="1499200"/>
+            <a:ext cx="1" cy="1164682"/>
+          </a:xfrm>
+          <a:prstGeom prst="line">
+            <a:avLst/>
+          </a:prstGeom>
+          <a:ln>
+            <a:solidFill>
+              <a:schemeClr val="tx1"/>
+            </a:solidFill>
+            <a:prstDash val="dash"/>
+          </a:ln>
+        </p:spPr>
+        <p:style>
+          <a:lnRef idx="1">
+            <a:schemeClr val="accent1"/>
+          </a:lnRef>
+          <a:fillRef idx="0">
+            <a:schemeClr val="accent1"/>
+          </a:fillRef>
+          <a:effectRef idx="0">
+            <a:schemeClr val="accent1"/>
+          </a:effectRef>
+          <a:fontRef idx="minor">
+            <a:schemeClr val="tx1"/>
+          </a:fontRef>
+        </p:style>
+      </p:cxnSp>
+      <p:sp>
+        <p:nvSpPr>
+          <p:cNvPr id="48" name="円弧 47"/>
+          <p:cNvSpPr/>
+          <p:nvPr/>
+        </p:nvSpPr>
+        <p:spPr>
+          <a:xfrm>
+            <a:off x="8101444" y="1945574"/>
+            <a:ext cx="1581476" cy="1581476"/>
+          </a:xfrm>
+          <a:prstGeom prst="arc">
+            <a:avLst>
+              <a:gd name="adj1" fmla="val 15047034"/>
+              <a:gd name="adj2" fmla="val 16125823"/>
+            </a:avLst>
+          </a:prstGeom>
+          <a:ln>
+            <a:solidFill>
+              <a:schemeClr val="tx1"/>
+            </a:solidFill>
+          </a:ln>
+        </p:spPr>
+        <p:style>
+          <a:lnRef idx="1">
+            <a:schemeClr val="accent1"/>
+          </a:lnRef>
+          <a:fillRef idx="0">
+            <a:schemeClr val="accent1"/>
+          </a:fillRef>
+          <a:effectRef idx="0">
+            <a:schemeClr val="accent1"/>
+          </a:effectRef>
+          <a:fontRef idx="minor">
+            <a:schemeClr val="tx1"/>
+          </a:fontRef>
+        </p:style>
+        <p:txBody>
+          <a:bodyPr rtlCol="0" anchor="ctr"/>
+          <a:lstStyle/>
+          <a:p>
+            <a:pPr algn="ctr"/>
+            <a:endParaRPr kumimoji="1" lang="ja-JP" altLang="en-US"/>
+          </a:p>
+        </p:txBody>
+      </p:sp>
+      <p:sp>
+        <p:nvSpPr>
+          <p:cNvPr id="49" name="テキスト ボックス 48"/>
+          <p:cNvSpPr txBox="1"/>
+          <p:nvPr/>
+        </p:nvSpPr>
+        <p:spPr>
+          <a:xfrm>
+            <a:off x="8887169" y="1631645"/>
+            <a:ext cx="1821919" cy="646331"/>
+          </a:xfrm>
+          <a:prstGeom prst="rect">
+            <a:avLst/>
+          </a:prstGeom>
+          <a:noFill/>
+        </p:spPr>
+        <p:txBody>
+          <a:bodyPr wrap="square" rtlCol="0">
+            <a:spAutoFit/>
+          </a:bodyPr>
+          <a:lstStyle/>
+          <a:p>
+            <a:r>
+              <a:rPr lang="en-US" altLang="ja-JP" dirty="0" smtClean="0"/>
               <a:t>TextureObject2D. Angle</a:t>
             </a:r>
             <a:endParaRPr kumimoji="1" lang="ja-JP" altLang="en-US" dirty="0"/>
@@ -4306,7 +5353,7 @@
     </p:spTree>
     <p:extLst>
       <p:ext uri="{BB962C8B-B14F-4D97-AF65-F5344CB8AC3E}">
-        <p14:creationId xmlns:p14="http://schemas.microsoft.com/office/powerpoint/2010/main" val="2678126616"/>
+        <p14:creationId xmlns:p14="http://schemas.microsoft.com/office/powerpoint/2010/main" val="1928584472"/>
       </p:ext>
     </p:extLst>
   </p:cSld>
